--- a/Презентация.pptx
+++ b/Презентация.pptx
@@ -3406,7 +3406,7 @@
         <p:spPr bwMode="auto">
           <a:xfrm>
             <a:off x="609599" y="6356351"/>
-            <a:ext cx="2844799" cy="365125"/>
+            <a:ext cx="2844798" cy="365125"/>
           </a:xfrm>
           <a:prstGeom prst="rect">
             <a:avLst/>
@@ -3490,7 +3490,7 @@
         <p:spPr bwMode="auto">
           <a:xfrm>
             <a:off x="8737599" y="6356351"/>
-            <a:ext cx="2844799" cy="365125"/>
+            <a:ext cx="2844798" cy="365125"/>
           </a:xfrm>
           <a:prstGeom prst="rect">
             <a:avLst/>
@@ -4070,6 +4070,126 @@
       <p:transition advClick="1"/>
     </mc:Fallback>
   </mc:AlternateContent>
+  <p:timing>
+    <p:tnLst>
+      <p:par>
+        <p:cTn id="1" dur="indefinite" restart="never" nodeType="tmRoot">
+          <p:childTnLst>
+            <p:seq concurrent="1" nextAc="seek">
+              <p:cTn id="2" dur="indefinite" nodeType="mainSeq">
+                <p:childTnLst>
+                  <p:par>
+                    <p:cTn id="7" fill="hold">
+                      <p:stCondLst>
+                        <p:cond delay="indefinite"/>
+                      </p:stCondLst>
+                      <p:childTnLst>
+                        <p:par>
+                          <p:cTn id="8" fill="hold">
+                            <p:stCondLst>
+                              <p:cond delay="0"/>
+                            </p:stCondLst>
+                            <p:childTnLst>
+                              <p:par>
+                                <p:cTn id="9" presetID="1" presetClass="entr" presetSubtype="0" fill="hold" grpId="0" nodeType="clickEffect">
+                                  <p:stCondLst>
+                                    <p:cond delay="0"/>
+                                  </p:stCondLst>
+                                  <p:childTnLst>
+                                    <p:set>
+                                      <p:cBhvr>
+                                        <p:cTn id="10" dur="1" fill="hold">
+                                          <p:stCondLst>
+                                            <p:cond delay="0"/>
+                                          </p:stCondLst>
+                                        </p:cTn>
+                                        <p:tgtEl>
+                                          <p:spTgt spid="2022024566"/>
+                                        </p:tgtEl>
+                                        <p:attrNameLst>
+                                          <p:attrName>style.visibility</p:attrName>
+                                        </p:attrNameLst>
+                                      </p:cBhvr>
+                                      <p:to>
+                                        <p:strVal val="visible"/>
+                                      </p:to>
+                                    </p:set>
+                                  </p:childTnLst>
+                                </p:cTn>
+                              </p:par>
+                            </p:childTnLst>
+                          </p:cTn>
+                        </p:par>
+                      </p:childTnLst>
+                    </p:cTn>
+                  </p:par>
+                  <p:par>
+                    <p:cTn id="3" fill="hold">
+                      <p:stCondLst>
+                        <p:cond delay="indefinite"/>
+                      </p:stCondLst>
+                      <p:childTnLst>
+                        <p:par>
+                          <p:cTn id="4" fill="hold">
+                            <p:stCondLst>
+                              <p:cond delay="0"/>
+                            </p:stCondLst>
+                            <p:childTnLst>
+                              <p:par>
+                                <p:cTn id="5" presetID="1" presetClass="entr" presetSubtype="0" fill="hold" grpId="0" nodeType="clickEffect">
+                                  <p:stCondLst>
+                                    <p:cond delay="0"/>
+                                  </p:stCondLst>
+                                  <p:childTnLst>
+                                    <p:set>
+                                      <p:cBhvr>
+                                        <p:cTn id="6" dur="1" fill="hold">
+                                          <p:stCondLst>
+                                            <p:cond delay="0"/>
+                                          </p:stCondLst>
+                                        </p:cTn>
+                                        <p:tgtEl>
+                                          <p:spTgt spid="1161487492"/>
+                                        </p:tgtEl>
+                                        <p:attrNameLst>
+                                          <p:attrName>style.visibility</p:attrName>
+                                        </p:attrNameLst>
+                                      </p:cBhvr>
+                                      <p:to>
+                                        <p:strVal val="visible"/>
+                                      </p:to>
+                                    </p:set>
+                                  </p:childTnLst>
+                                </p:cTn>
+                              </p:par>
+                            </p:childTnLst>
+                          </p:cTn>
+                        </p:par>
+                      </p:childTnLst>
+                    </p:cTn>
+                  </p:par>
+                </p:childTnLst>
+              </p:cTn>
+              <p:prevCondLst>
+                <p:cond evt="onPrev" delay="0">
+                  <p:tgtEl>
+                    <p:sldTgt/>
+                  </p:tgtEl>
+                </p:cond>
+              </p:prevCondLst>
+              <p:nextCondLst>
+                <p:cond evt="onNext" delay="0">
+                  <p:tgtEl>
+                    <p:sldTgt/>
+                  </p:tgtEl>
+                </p:cond>
+              </p:nextCondLst>
+            </p:seq>
+          </p:childTnLst>
+        </p:cTn>
+      </p:par>
+    </p:tnLst>
+  </p:timing>
 </p:sld>
 </file>
 
@@ -5490,7 +5610,7 @@
         </p:blipFill>
         <p:spPr bwMode="auto">
           <a:xfrm>
-            <a:off x="6096017" y="1274462"/>
+            <a:off x="6105524" y="1274461"/>
             <a:ext cx="5476874" cy="4400550"/>
           </a:xfrm>
           <a:prstGeom prst="rect">
@@ -5564,6 +5684,51 @@
                       </p:childTnLst>
                     </p:cTn>
                   </p:par>
+                  <p:par>
+                    <p:cTn id="3" fill="hold">
+                      <p:stCondLst>
+                        <p:cond delay="indefinite"/>
+                      </p:stCondLst>
+                      <p:childTnLst>
+                        <p:par>
+                          <p:cTn id="4" fill="hold">
+                            <p:stCondLst>
+                              <p:cond delay="0"/>
+                            </p:stCondLst>
+                            <p:childTnLst>
+                              <p:par>
+                                <p:cTn id="5" presetID="1" presetClass="entr" presetSubtype="0" fill="hold" grpId="0" nodeType="clickEffect">
+                                  <p:stCondLst>
+                                    <p:cond delay="0"/>
+                                  </p:stCondLst>
+                                  <p:childTnLst>
+                                    <p:set>
+                                      <p:cBhvr>
+                                        <p:cTn id="6" dur="1" fill="hold">
+                                          <p:stCondLst>
+                                            <p:cond delay="0"/>
+                                          </p:stCondLst>
+                                        </p:cTn>
+                                        <p:tgtEl>
+                                          <p:spTgt spid="52371056"/>
+                                        </p:tgtEl>
+                                        <p:attrNameLst>
+                                          <p:attrName>style.visibility</p:attrName>
+                                        </p:attrNameLst>
+                                      </p:cBhvr>
+                                      <p:to>
+                                        <p:strVal val="visible"/>
+                                      </p:to>
+                                    </p:set>
+                                  </p:childTnLst>
+                                </p:cTn>
+                              </p:par>
+                            </p:childTnLst>
+                          </p:cTn>
+                        </p:par>
+                      </p:childTnLst>
+                    </p:cTn>
+                  </p:par>
                 </p:childTnLst>
               </p:cTn>
               <p:prevCondLst>
@@ -5839,7 +6004,7 @@
         </p:nvSpPr>
         <p:spPr bwMode="auto">
           <a:xfrm flipH="0" flipV="0">
-            <a:off x="999684" y="2404368"/>
+            <a:off x="999683" y="2404368"/>
             <a:ext cx="4050544" cy="579155"/>
           </a:xfrm>
           <a:prstGeom prst="rect">
@@ -5878,7 +6043,7 @@
         </p:nvSpPr>
         <p:spPr bwMode="auto">
           <a:xfrm flipH="0" flipV="0">
-            <a:off x="999684" y="3264392"/>
+            <a:off x="999683" y="3264392"/>
             <a:ext cx="4050544" cy="579155"/>
           </a:xfrm>
           <a:prstGeom prst="rect">
@@ -5917,7 +6082,7 @@
         </p:nvSpPr>
         <p:spPr bwMode="auto">
           <a:xfrm flipH="0" flipV="0">
-            <a:off x="999684" y="4096674"/>
+            <a:off x="999683" y="4096674"/>
             <a:ext cx="4050580" cy="579155"/>
           </a:xfrm>
           <a:prstGeom prst="rect">
@@ -6803,7 +6968,7 @@
         <p:spPr bwMode="auto">
           <a:xfrm flipH="0" flipV="0">
             <a:off x="944199" y="1618324"/>
-            <a:ext cx="4864295" cy="579155"/>
+            <a:ext cx="4864294" cy="579155"/>
           </a:xfrm>
           <a:prstGeom prst="rect">
             <a:avLst/>

--- a/Презентация.pptx
+++ b/Презентация.pptx
@@ -3949,13 +3949,14 @@
               <a:defRPr/>
             </a:pPr>
             <a:r>
-              <a:rPr lang="ru-RU" sz="4400" b="1" i="0" u="none" strike="noStrike" cap="none" spc="0">
+              <a:rPr lang="ru-RU" sz="4400" b="1" i="0" u="sng" strike="noStrike" cap="none" spc="0">
                 <a:solidFill>
                   <a:schemeClr val="tx1"/>
                 </a:solidFill>
                 <a:latin typeface="Arial"/>
                 <a:ea typeface="Arial"/>
                 <a:cs typeface="Arial"/>
+                <a:hlinkClick r:id="rId2" tooltip="https://github.com/taran507/example_pattern/blob/728f435aaed163b5338de7eeb5d339a5002bbacd/chain_of_responsibility/chain_of_responsibility.go"/>
               </a:rPr>
               <a:t>Цепочка обязанностей</a:t>
             </a:r>
@@ -3997,7 +3998,7 @@
           <p:nvPr isPhoto="0" userDrawn="0"/>
         </p:nvPicPr>
         <p:blipFill>
-          <a:blip r:embed="rId2"/>
+          <a:blip r:embed="rId3"/>
           <a:stretch/>
         </p:blipFill>
         <p:spPr bwMode="auto">
@@ -4044,7 +4045,7 @@
           <p:nvPr isPhoto="0" userDrawn="0"/>
         </p:nvPicPr>
         <p:blipFill>
-          <a:blip r:embed="rId3"/>
+          <a:blip r:embed="rId4"/>
           <a:stretch/>
         </p:blipFill>
         <p:spPr bwMode="auto">
@@ -5050,45 +5051,6 @@
           </a:p>
         </p:txBody>
       </p:sp>
-      <p:sp>
-        <p:nvSpPr>
-          <p:cNvPr id="912557494" name="" hidden="0"/>
-          <p:cNvSpPr txBox="1"/>
-          <p:nvPr isPhoto="0" userDrawn="0"/>
-        </p:nvSpPr>
-        <p:spPr bwMode="auto">
-          <a:xfrm flipH="0" flipV="0">
-            <a:off x="6095999" y="2385873"/>
-            <a:ext cx="5511769" cy="579155"/>
-          </a:xfrm>
-          <a:prstGeom prst="rect">
-            <a:avLst/>
-          </a:prstGeom>
-          <a:noFill/>
-        </p:spPr>
-        <p:txBody>
-          <a:bodyPr vertOverflow="overflow" horzOverflow="clip" vert="horz" wrap="square" lIns="91440" tIns="45720" rIns="91440" bIns="45720" numCol="1" spcCol="0" rtlCol="0" fromWordArt="0" anchor="t" anchorCtr="0" forceAA="0" upright="0" compatLnSpc="0">
-            <a:spAutoFit/>
-          </a:bodyPr>
-          <a:p>
-            <a:pPr>
-              <a:defRPr/>
-            </a:pPr>
-            <a:r>
-              <a:rPr lang="ru-RU" sz="3200" b="0" i="0" u="none" strike="noStrike" cap="none" spc="0">
-                <a:solidFill>
-                  <a:schemeClr val="tx1"/>
-                </a:solidFill>
-                <a:latin typeface="Arial"/>
-                <a:ea typeface="Arial"/>
-                <a:cs typeface="Arial"/>
-              </a:rPr>
-              <a:t>Строитель</a:t>
-            </a:r>
-            <a:endParaRPr sz="3200"/>
-          </a:p>
-        </p:txBody>
-      </p:sp>
     </p:spTree>
   </p:cSld>
   <p:clrMapOvr>
@@ -5322,59 +5284,6 @@
                       </p:childTnLst>
                     </p:cTn>
                   </p:par>
-                  <p:par>
-                    <p:cTn id="3" fill="hold">
-                      <p:stCondLst>
-                        <p:cond delay="indefinite"/>
-                      </p:stCondLst>
-                      <p:childTnLst>
-                        <p:par>
-                          <p:cTn id="4" fill="hold">
-                            <p:stCondLst>
-                              <p:cond delay="0"/>
-                            </p:stCondLst>
-                            <p:childTnLst>
-                              <p:par>
-                                <p:cTn id="5" presetID="22" presetClass="entr" presetSubtype="4" fill="hold" grpId="0" nodeType="clickEffect">
-                                  <p:stCondLst>
-                                    <p:cond delay="0"/>
-                                  </p:stCondLst>
-                                  <p:childTnLst>
-                                    <p:set>
-                                      <p:cBhvr>
-                                        <p:cTn id="7" dur="1" fill="hold">
-                                          <p:stCondLst>
-                                            <p:cond delay="0"/>
-                                          </p:stCondLst>
-                                        </p:cTn>
-                                        <p:tgtEl>
-                                          <p:spTgt spid="912557494"/>
-                                        </p:tgtEl>
-                                        <p:attrNameLst>
-                                          <p:attrName>style.visibility</p:attrName>
-                                        </p:attrNameLst>
-                                      </p:cBhvr>
-                                      <p:to>
-                                        <p:strVal val="visible"/>
-                                      </p:to>
-                                    </p:set>
-                                    <p:animEffect transition="in" filter="wipe(down)">
-                                      <p:cBhvr>
-                                        <p:cTn id="6" dur="500"/>
-                                        <p:tgtEl>
-                                          <p:spTgt spid="912557494"/>
-                                        </p:tgtEl>
-                                      </p:cBhvr>
-                                    </p:animEffect>
-                                  </p:childTnLst>
-                                </p:cTn>
-                              </p:par>
-                            </p:childTnLst>
-                          </p:cTn>
-                        </p:par>
-                      </p:childTnLst>
-                    </p:cTn>
-                  </p:par>
                 </p:childTnLst>
               </p:cTn>
               <p:prevCondLst>
@@ -5436,6 +5345,18 @@
               <a:defRPr/>
             </a:pPr>
             <a:r>
+              <a:rPr lang="ru-RU" sz="4400" b="0" i="0" u="sng" strike="noStrike" cap="none" spc="0">
+                <a:solidFill>
+                  <a:schemeClr val="tx1"/>
+                </a:solidFill>
+                <a:latin typeface="Arial"/>
+                <a:ea typeface="Arial"/>
+                <a:cs typeface="Arial"/>
+                <a:hlinkClick r:id="rId2" tooltip="https://github.com/taran507/example_pattern/blob/main/fabric/fabric.go"/>
+              </a:rPr>
+              <a:t>Фабричный метод</a:t>
+            </a:r>
+            <a:r>
               <a:rPr lang="ru-RU" sz="4400" b="0" i="0" u="none" strike="noStrike" cap="none" spc="0">
                 <a:solidFill>
                   <a:schemeClr val="tx1"/>
@@ -5444,7 +5365,19 @@
                 <a:ea typeface="Arial"/>
                 <a:cs typeface="Arial"/>
               </a:rPr>
-              <a:t>Фабричный метод, Абстрактная фабрика</a:t>
+              <a:t>, </a:t>
+            </a:r>
+            <a:r>
+              <a:rPr lang="ru-RU" sz="4400" b="0" i="0" u="sng" strike="noStrike" cap="none" spc="0">
+                <a:solidFill>
+                  <a:schemeClr val="tx1"/>
+                </a:solidFill>
+                <a:latin typeface="Arial"/>
+                <a:ea typeface="Arial"/>
+                <a:cs typeface="Arial"/>
+                <a:hlinkClick r:id="rId3" tooltip="https://github.com/taran507/example_pattern/blob/main/abstractfactory/abstract.go"/>
+              </a:rPr>
+              <a:t>Абстрактная фабрика</a:t>
             </a:r>
             <a:endParaRPr/>
           </a:p>
@@ -5533,7 +5466,7 @@
           <p:nvPr isPhoto="0" userDrawn="0"/>
         </p:nvPicPr>
         <p:blipFill>
-          <a:blip r:embed="rId2"/>
+          <a:blip r:embed="rId4"/>
           <a:stretch/>
         </p:blipFill>
         <p:spPr bwMode="auto">
@@ -5605,7 +5538,7 @@
           <p:nvPr isPhoto="0" userDrawn="0"/>
         </p:nvPicPr>
         <p:blipFill>
-          <a:blip r:embed="rId3"/>
+          <a:blip r:embed="rId5"/>
           <a:stretch/>
         </p:blipFill>
         <p:spPr bwMode="auto">
@@ -5790,7 +5723,9 @@
               <a:defRPr/>
             </a:pPr>
             <a:r>
-              <a:rPr/>
+              <a:rPr u="sng">
+                <a:hlinkClick r:id="rId2" tooltip="https://github.com/taran507/example_pattern/blob/728f435aaed163b5338de7eeb5d339a5002bbacd/singleton/singleton.go"/>
+              </a:rPr>
               <a:t>Одиночка</a:t>
             </a:r>
             <a:endParaRPr/>
@@ -5878,7 +5813,7 @@
           <p:nvPr isPhoto="0" userDrawn="0"/>
         </p:nvPicPr>
         <p:blipFill>
-          <a:blip r:embed="rId2"/>
+          <a:blip r:embed="rId3"/>
           <a:stretch/>
         </p:blipFill>
         <p:spPr bwMode="auto">
@@ -6186,45 +6121,6 @@
                 <a:cs typeface="Arial"/>
               </a:rPr>
               <a:t>Легковес</a:t>
-            </a:r>
-            <a:endParaRPr sz="3200"/>
-          </a:p>
-        </p:txBody>
-      </p:sp>
-      <p:sp>
-        <p:nvSpPr>
-          <p:cNvPr id="867623549" name="" hidden="0"/>
-          <p:cNvSpPr txBox="1"/>
-          <p:nvPr isPhoto="0" userDrawn="0"/>
-        </p:nvSpPr>
-        <p:spPr bwMode="auto">
-          <a:xfrm flipH="0" flipV="0">
-            <a:off x="5521747" y="3264392"/>
-            <a:ext cx="4050580" cy="579155"/>
-          </a:xfrm>
-          <a:prstGeom prst="rect">
-            <a:avLst/>
-          </a:prstGeom>
-          <a:noFill/>
-        </p:spPr>
-        <p:txBody>
-          <a:bodyPr vertOverflow="overflow" horzOverflow="clip" vert="horz" wrap="square" lIns="91440" tIns="45720" rIns="91440" bIns="45720" numCol="1" spcCol="0" rtlCol="0" fromWordArt="0" anchor="t" anchorCtr="0" forceAA="0" upright="0" compatLnSpc="0">
-            <a:spAutoFit/>
-          </a:bodyPr>
-          <a:p>
-            <a:pPr>
-              <a:defRPr/>
-            </a:pPr>
-            <a:r>
-              <a:rPr lang="ru-RU" sz="3200" b="0" i="0" u="none" strike="noStrike" cap="none" spc="0">
-                <a:solidFill>
-                  <a:schemeClr val="tx1"/>
-                </a:solidFill>
-                <a:latin typeface="Arial"/>
-                <a:ea typeface="Arial"/>
-                <a:cs typeface="Arial"/>
-              </a:rPr>
-              <a:t>Заместитель</a:t>
             </a:r>
             <a:endParaRPr sz="3200"/>
           </a:p>
@@ -6569,59 +6465,6 @@
                       </p:childTnLst>
                     </p:cTn>
                   </p:par>
-                  <p:par>
-                    <p:cTn id="3" fill="hold">
-                      <p:stCondLst>
-                        <p:cond delay="indefinite"/>
-                      </p:stCondLst>
-                      <p:childTnLst>
-                        <p:par>
-                          <p:cTn id="4" fill="hold">
-                            <p:stCondLst>
-                              <p:cond delay="0"/>
-                            </p:stCondLst>
-                            <p:childTnLst>
-                              <p:par>
-                                <p:cTn id="5" presetID="22" presetClass="entr" presetSubtype="4" fill="hold" grpId="0" nodeType="clickEffect">
-                                  <p:stCondLst>
-                                    <p:cond delay="0"/>
-                                  </p:stCondLst>
-                                  <p:childTnLst>
-                                    <p:set>
-                                      <p:cBhvr>
-                                        <p:cTn id="7" dur="1" fill="hold">
-                                          <p:stCondLst>
-                                            <p:cond delay="0"/>
-                                          </p:stCondLst>
-                                        </p:cTn>
-                                        <p:tgtEl>
-                                          <p:spTgt spid="867623549"/>
-                                        </p:tgtEl>
-                                        <p:attrNameLst>
-                                          <p:attrName>style.visibility</p:attrName>
-                                        </p:attrNameLst>
-                                      </p:cBhvr>
-                                      <p:to>
-                                        <p:strVal val="visible"/>
-                                      </p:to>
-                                    </p:set>
-                                    <p:animEffect transition="in" filter="wipe(down)">
-                                      <p:cBhvr>
-                                        <p:cTn id="6" dur="500"/>
-                                        <p:tgtEl>
-                                          <p:spTgt spid="867623549"/>
-                                        </p:tgtEl>
-                                      </p:cBhvr>
-                                    </p:animEffect>
-                                  </p:childTnLst>
-                                </p:cTn>
-                              </p:par>
-                            </p:childTnLst>
-                          </p:cTn>
-                        </p:par>
-                      </p:childTnLst>
-                    </p:cTn>
-                  </p:par>
                 </p:childTnLst>
               </p:cTn>
               <p:prevCondLst>
@@ -6683,7 +6526,9 @@
               <a:defRPr/>
             </a:pPr>
             <a:r>
-              <a:rPr/>
+              <a:rPr u="sng">
+                <a:hlinkClick r:id="rId2" tooltip="https://github.com/taran507/example_pattern/blob/728f435aaed163b5338de7eeb5d339a5002bbacd/facade/facade.go"/>
+              </a:rPr>
               <a:t>Фасад</a:t>
             </a:r>
             <a:endParaRPr/>
@@ -6724,7 +6569,7 @@
           <p:nvPr isPhoto="0" userDrawn="0"/>
         </p:nvPicPr>
         <p:blipFill>
-          <a:blip r:embed="rId2"/>
+          <a:blip r:embed="rId3"/>
           <a:stretch/>
         </p:blipFill>
         <p:spPr bwMode="auto">
@@ -6811,7 +6656,7 @@
         </p:nvSpPr>
         <p:spPr bwMode="auto">
           <a:xfrm flipH="0" flipV="0">
-            <a:off x="6751674" y="1618324"/>
+            <a:off x="999682" y="4096674"/>
             <a:ext cx="4050579" cy="579155"/>
           </a:xfrm>
           <a:prstGeom prst="rect">
@@ -6883,84 +6728,6 @@
       </p:sp>
       <p:sp>
         <p:nvSpPr>
-          <p:cNvPr id="1067328872" name="" hidden="0"/>
-          <p:cNvSpPr txBox="1"/>
-          <p:nvPr isPhoto="0" userDrawn="0"/>
-        </p:nvSpPr>
-        <p:spPr bwMode="auto">
-          <a:xfrm flipH="0" flipV="0">
-            <a:off x="999683" y="3264392"/>
-            <a:ext cx="4050615" cy="579155"/>
-          </a:xfrm>
-          <a:prstGeom prst="rect">
-            <a:avLst/>
-          </a:prstGeom>
-          <a:noFill/>
-        </p:spPr>
-        <p:txBody>
-          <a:bodyPr vertOverflow="overflow" horzOverflow="clip" vert="horz" wrap="square" lIns="91440" tIns="45720" rIns="91440" bIns="45720" numCol="1" spcCol="0" rtlCol="0" fromWordArt="0" anchor="t" anchorCtr="0" forceAA="0" upright="0" compatLnSpc="0">
-            <a:spAutoFit/>
-          </a:bodyPr>
-          <a:p>
-            <a:pPr>
-              <a:defRPr/>
-            </a:pPr>
-            <a:r>
-              <a:rPr lang="ru-RU" sz="3200" b="0" i="0" u="none" strike="noStrike" cap="none" spc="0">
-                <a:solidFill>
-                  <a:schemeClr val="tx1"/>
-                </a:solidFill>
-                <a:latin typeface="Arial"/>
-                <a:ea typeface="Arial"/>
-                <a:cs typeface="Arial"/>
-              </a:rPr>
-              <a:t>Итератор</a:t>
-            </a:r>
-            <a:endParaRPr sz="3200"/>
-          </a:p>
-        </p:txBody>
-      </p:sp>
-      <p:sp>
-        <p:nvSpPr>
-          <p:cNvPr id="819031140" name="" hidden="0"/>
-          <p:cNvSpPr txBox="1"/>
-          <p:nvPr isPhoto="0" userDrawn="0"/>
-        </p:nvSpPr>
-        <p:spPr bwMode="auto">
-          <a:xfrm flipH="0" flipV="0">
-            <a:off x="999683" y="4096674"/>
-            <a:ext cx="4050651" cy="579155"/>
-          </a:xfrm>
-          <a:prstGeom prst="rect">
-            <a:avLst/>
-          </a:prstGeom>
-          <a:noFill/>
-        </p:spPr>
-        <p:txBody>
-          <a:bodyPr vertOverflow="overflow" horzOverflow="clip" vert="horz" wrap="square" lIns="91440" tIns="45720" rIns="91440" bIns="45720" numCol="1" spcCol="0" rtlCol="0" fromWordArt="0" anchor="t" anchorCtr="0" forceAA="0" upright="0" compatLnSpc="0">
-            <a:spAutoFit/>
-          </a:bodyPr>
-          <a:p>
-            <a:pPr>
-              <a:defRPr/>
-            </a:pPr>
-            <a:r>
-              <a:rPr lang="ru-RU" sz="3200" b="0" i="0" u="none" strike="noStrike" cap="none" spc="0">
-                <a:solidFill>
-                  <a:schemeClr val="tx1"/>
-                </a:solidFill>
-                <a:latin typeface="Arial"/>
-                <a:ea typeface="Arial"/>
-                <a:cs typeface="Arial"/>
-              </a:rPr>
-              <a:t>Посредник</a:t>
-            </a:r>
-            <a:endParaRPr sz="3200"/>
-          </a:p>
-        </p:txBody>
-      </p:sp>
-      <p:sp>
-        <p:nvSpPr>
           <p:cNvPr id="1599712151" name="" hidden="0"/>
           <p:cNvSpPr txBox="1"/>
           <p:nvPr isPhoto="0" userDrawn="0"/>
@@ -7006,7 +6773,7 @@
         </p:nvSpPr>
         <p:spPr bwMode="auto">
           <a:xfrm flipH="0" flipV="0">
-            <a:off x="6751674" y="2404368"/>
+            <a:off x="944198" y="4919706"/>
             <a:ext cx="4050651" cy="579155"/>
           </a:xfrm>
           <a:prstGeom prst="rect">
@@ -7045,7 +6812,7 @@
         </p:nvSpPr>
         <p:spPr bwMode="auto">
           <a:xfrm flipH="0" flipV="0">
-            <a:off x="6751674" y="3264392"/>
+            <a:off x="6751674" y="1618323"/>
             <a:ext cx="4050651" cy="579155"/>
           </a:xfrm>
           <a:prstGeom prst="rect">
@@ -7084,7 +6851,7 @@
         </p:nvSpPr>
         <p:spPr bwMode="auto">
           <a:xfrm flipH="0" flipV="0">
-            <a:off x="999683" y="4919707"/>
+            <a:off x="999682" y="3264391"/>
             <a:ext cx="4050651" cy="579155"/>
           </a:xfrm>
           <a:prstGeom prst="rect">
@@ -7123,7 +6890,7 @@
         </p:nvSpPr>
         <p:spPr bwMode="auto">
           <a:xfrm flipH="0" flipV="0">
-            <a:off x="6751674" y="4919707"/>
+            <a:off x="6751674" y="3264391"/>
             <a:ext cx="4050651" cy="579155"/>
           </a:xfrm>
           <a:prstGeom prst="rect">
@@ -7162,7 +6929,7 @@
         </p:nvSpPr>
         <p:spPr bwMode="auto">
           <a:xfrm flipH="0" flipV="0">
-            <a:off x="6751674" y="4096674"/>
+            <a:off x="6751674" y="2404368"/>
             <a:ext cx="4050651" cy="579155"/>
           </a:xfrm>
           <a:prstGeom prst="rect">
@@ -7308,112 +7075,6 @@
                                         <p:cTn id="46" dur="500"/>
                                         <p:tgtEl>
                                           <p:spTgt spid="1212003249"/>
-                                        </p:tgtEl>
-                                      </p:cBhvr>
-                                    </p:animEffect>
-                                  </p:childTnLst>
-                                </p:cTn>
-                              </p:par>
-                            </p:childTnLst>
-                          </p:cTn>
-                        </p:par>
-                      </p:childTnLst>
-                    </p:cTn>
-                  </p:par>
-                  <p:par>
-                    <p:cTn id="38" fill="hold">
-                      <p:stCondLst>
-                        <p:cond delay="indefinite"/>
-                      </p:stCondLst>
-                      <p:childTnLst>
-                        <p:par>
-                          <p:cTn id="39" fill="hold">
-                            <p:stCondLst>
-                              <p:cond delay="0"/>
-                            </p:stCondLst>
-                            <p:childTnLst>
-                              <p:par>
-                                <p:cTn id="40" presetID="22" presetClass="entr" presetSubtype="4" fill="hold" grpId="0" nodeType="clickEffect">
-                                  <p:stCondLst>
-                                    <p:cond delay="0"/>
-                                  </p:stCondLst>
-                                  <p:childTnLst>
-                                    <p:set>
-                                      <p:cBhvr>
-                                        <p:cTn id="42" dur="1" fill="hold">
-                                          <p:stCondLst>
-                                            <p:cond delay="0"/>
-                                          </p:stCondLst>
-                                        </p:cTn>
-                                        <p:tgtEl>
-                                          <p:spTgt spid="1067328872"/>
-                                        </p:tgtEl>
-                                        <p:attrNameLst>
-                                          <p:attrName>style.visibility</p:attrName>
-                                        </p:attrNameLst>
-                                      </p:cBhvr>
-                                      <p:to>
-                                        <p:strVal val="visible"/>
-                                      </p:to>
-                                    </p:set>
-                                    <p:animEffect transition="in" filter="wipe(down)">
-                                      <p:cBhvr>
-                                        <p:cTn id="41" dur="500"/>
-                                        <p:tgtEl>
-                                          <p:spTgt spid="1067328872"/>
-                                        </p:tgtEl>
-                                      </p:cBhvr>
-                                    </p:animEffect>
-                                  </p:childTnLst>
-                                </p:cTn>
-                              </p:par>
-                            </p:childTnLst>
-                          </p:cTn>
-                        </p:par>
-                      </p:childTnLst>
-                    </p:cTn>
-                  </p:par>
-                  <p:par>
-                    <p:cTn id="33" fill="hold">
-                      <p:stCondLst>
-                        <p:cond delay="indefinite"/>
-                      </p:stCondLst>
-                      <p:childTnLst>
-                        <p:par>
-                          <p:cTn id="34" fill="hold">
-                            <p:stCondLst>
-                              <p:cond delay="0"/>
-                            </p:stCondLst>
-                            <p:childTnLst>
-                              <p:par>
-                                <p:cTn id="35" presetID="22" presetClass="entr" presetSubtype="4" fill="hold" grpId="0" nodeType="clickEffect">
-                                  <p:stCondLst>
-                                    <p:cond delay="0"/>
-                                  </p:stCondLst>
-                                  <p:childTnLst>
-                                    <p:set>
-                                      <p:cBhvr>
-                                        <p:cTn id="37" dur="1" fill="hold">
-                                          <p:stCondLst>
-                                            <p:cond delay="0"/>
-                                          </p:stCondLst>
-                                        </p:cTn>
-                                        <p:tgtEl>
-                                          <p:spTgt spid="819031140"/>
-                                        </p:tgtEl>
-                                        <p:attrNameLst>
-                                          <p:attrName>style.visibility</p:attrName>
-                                        </p:attrNameLst>
-                                      </p:cBhvr>
-                                      <p:to>
-                                        <p:strVal val="visible"/>
-                                      </p:to>
-                                    </p:set>
-                                    <p:animEffect transition="in" filter="wipe(down)">
-                                      <p:cBhvr>
-                                        <p:cTn id="36" dur="500"/>
-                                        <p:tgtEl>
-                                          <p:spTgt spid="819031140"/>
                                         </p:tgtEl>
                                       </p:cBhvr>
                                     </p:animEffect>
